--- a/ppt/00557006+00557019.pptx
+++ b/ppt/00557006+00557019.pptx
@@ -450,7 +450,7 @@
           <a:p>
             <a:fld id="{EB8C0491-3092-4ADB-83E9-5E4447201080}" type="datetimeFigureOut">
               <a:rPr lang="zh-TW" altLang="en-US" smtClean="0"/>
-              <a:t>2018/6/17</a:t>
+              <a:t>2018/6/18</a:t>
             </a:fld>
             <a:endParaRPr lang="zh-TW" altLang="en-US"/>
           </a:p>
@@ -774,7 +774,7 @@
           <a:p>
             <a:fld id="{EB8C0491-3092-4ADB-83E9-5E4447201080}" type="datetimeFigureOut">
               <a:rPr lang="zh-TW" altLang="en-US" smtClean="0"/>
-              <a:t>2018/6/17</a:t>
+              <a:t>2018/6/18</a:t>
             </a:fld>
             <a:endParaRPr lang="zh-TW" altLang="en-US"/>
           </a:p>
@@ -1022,7 +1022,7 @@
           <a:p>
             <a:fld id="{EB8C0491-3092-4ADB-83E9-5E4447201080}" type="datetimeFigureOut">
               <a:rPr lang="zh-TW" altLang="en-US" smtClean="0"/>
-              <a:t>2018/6/17</a:t>
+              <a:t>2018/6/18</a:t>
             </a:fld>
             <a:endParaRPr lang="zh-TW" altLang="en-US"/>
           </a:p>
@@ -1361,7 +1361,7 @@
           <a:p>
             <a:fld id="{EB8C0491-3092-4ADB-83E9-5E4447201080}" type="datetimeFigureOut">
               <a:rPr lang="zh-TW" altLang="en-US" smtClean="0"/>
-              <a:t>2018/6/17</a:t>
+              <a:t>2018/6/18</a:t>
             </a:fld>
             <a:endParaRPr lang="zh-TW" altLang="en-US"/>
           </a:p>
@@ -1708,7 +1708,7 @@
           <a:p>
             <a:fld id="{EB8C0491-3092-4ADB-83E9-5E4447201080}" type="datetimeFigureOut">
               <a:rPr lang="zh-TW" altLang="en-US" smtClean="0"/>
-              <a:t>2018/6/17</a:t>
+              <a:t>2018/6/18</a:t>
             </a:fld>
             <a:endParaRPr lang="zh-TW" altLang="en-US"/>
           </a:p>
@@ -2082,7 +2082,7 @@
           <a:p>
             <a:fld id="{EB8C0491-3092-4ADB-83E9-5E4447201080}" type="datetimeFigureOut">
               <a:rPr lang="zh-TW" altLang="en-US" smtClean="0"/>
-              <a:t>2018/6/17</a:t>
+              <a:t>2018/6/18</a:t>
             </a:fld>
             <a:endParaRPr lang="zh-TW" altLang="en-US"/>
           </a:p>
@@ -2552,7 +2552,7 @@
           <a:p>
             <a:fld id="{EB8C0491-3092-4ADB-83E9-5E4447201080}" type="datetimeFigureOut">
               <a:rPr lang="zh-TW" altLang="en-US" smtClean="0"/>
-              <a:t>2018/6/17</a:t>
+              <a:t>2018/6/18</a:t>
             </a:fld>
             <a:endParaRPr lang="zh-TW" altLang="en-US"/>
           </a:p>
@@ -2757,7 +2757,7 @@
           <a:p>
             <a:fld id="{EB8C0491-3092-4ADB-83E9-5E4447201080}" type="datetimeFigureOut">
               <a:rPr lang="zh-TW" altLang="en-US" smtClean="0"/>
-              <a:t>2018/6/17</a:t>
+              <a:t>2018/6/18</a:t>
             </a:fld>
             <a:endParaRPr lang="zh-TW" altLang="en-US"/>
           </a:p>
@@ -2968,7 +2968,7 @@
           <a:p>
             <a:fld id="{EB8C0491-3092-4ADB-83E9-5E4447201080}" type="datetimeFigureOut">
               <a:rPr lang="zh-TW" altLang="en-US" smtClean="0"/>
-              <a:t>2018/6/17</a:t>
+              <a:t>2018/6/18</a:t>
             </a:fld>
             <a:endParaRPr lang="zh-TW" altLang="en-US"/>
           </a:p>
@@ -3200,7 +3200,7 @@
           <a:p>
             <a:fld id="{EB8C0491-3092-4ADB-83E9-5E4447201080}" type="datetimeFigureOut">
               <a:rPr lang="zh-TW" altLang="en-US" smtClean="0"/>
-              <a:t>2018/6/17</a:t>
+              <a:t>2018/6/18</a:t>
             </a:fld>
             <a:endParaRPr lang="zh-TW" altLang="en-US"/>
           </a:p>
@@ -3448,7 +3448,7 @@
           <a:p>
             <a:fld id="{EB8C0491-3092-4ADB-83E9-5E4447201080}" type="datetimeFigureOut">
               <a:rPr lang="zh-TW" altLang="en-US" smtClean="0"/>
-              <a:t>2018/6/17</a:t>
+              <a:t>2018/6/18</a:t>
             </a:fld>
             <a:endParaRPr lang="zh-TW" altLang="en-US"/>
           </a:p>
@@ -3746,7 +3746,7 @@
           <a:p>
             <a:fld id="{EB8C0491-3092-4ADB-83E9-5E4447201080}" type="datetimeFigureOut">
               <a:rPr lang="zh-TW" altLang="en-US" smtClean="0"/>
-              <a:t>2018/6/17</a:t>
+              <a:t>2018/6/18</a:t>
             </a:fld>
             <a:endParaRPr lang="zh-TW" altLang="en-US"/>
           </a:p>
@@ -4140,7 +4140,7 @@
           <a:p>
             <a:fld id="{EB8C0491-3092-4ADB-83E9-5E4447201080}" type="datetimeFigureOut">
               <a:rPr lang="zh-TW" altLang="en-US" smtClean="0"/>
-              <a:t>2018/6/17</a:t>
+              <a:t>2018/6/18</a:t>
             </a:fld>
             <a:endParaRPr lang="zh-TW" altLang="en-US"/>
           </a:p>
@@ -4289,7 +4289,7 @@
           <a:p>
             <a:fld id="{EB8C0491-3092-4ADB-83E9-5E4447201080}" type="datetimeFigureOut">
               <a:rPr lang="zh-TW" altLang="en-US" smtClean="0"/>
-              <a:t>2018/6/17</a:t>
+              <a:t>2018/6/18</a:t>
             </a:fld>
             <a:endParaRPr lang="zh-TW" altLang="en-US"/>
           </a:p>
@@ -4415,7 +4415,7 @@
           <a:p>
             <a:fld id="{EB8C0491-3092-4ADB-83E9-5E4447201080}" type="datetimeFigureOut">
               <a:rPr lang="zh-TW" altLang="en-US" smtClean="0"/>
-              <a:t>2018/6/17</a:t>
+              <a:t>2018/6/18</a:t>
             </a:fld>
             <a:endParaRPr lang="zh-TW" altLang="en-US"/>
           </a:p>
@@ -4670,7 +4670,7 @@
           <a:p>
             <a:fld id="{EB8C0491-3092-4ADB-83E9-5E4447201080}" type="datetimeFigureOut">
               <a:rPr lang="zh-TW" altLang="en-US" smtClean="0"/>
-              <a:t>2018/6/17</a:t>
+              <a:t>2018/6/18</a:t>
             </a:fld>
             <a:endParaRPr lang="zh-TW" altLang="en-US"/>
           </a:p>
@@ -4985,7 +4985,7 @@
           <a:p>
             <a:fld id="{EB8C0491-3092-4ADB-83E9-5E4447201080}" type="datetimeFigureOut">
               <a:rPr lang="zh-TW" altLang="en-US" smtClean="0"/>
-              <a:t>2018/6/17</a:t>
+              <a:t>2018/6/18</a:t>
             </a:fld>
             <a:endParaRPr lang="zh-TW" altLang="en-US"/>
           </a:p>
@@ -5336,7 +5336,7 @@
           <a:p>
             <a:fld id="{EB8C0491-3092-4ADB-83E9-5E4447201080}" type="datetimeFigureOut">
               <a:rPr lang="zh-TW" altLang="en-US" smtClean="0"/>
-              <a:t>2018/6/17</a:t>
+              <a:t>2018/6/18</a:t>
             </a:fld>
             <a:endParaRPr lang="zh-TW" altLang="en-US"/>
           </a:p>
@@ -7371,10 +7371,15 @@
             <p:ph idx="1"/>
           </p:nvPr>
         </p:nvSpPr>
-        <p:spPr/>
+        <p:spPr>
+          <a:xfrm>
+            <a:off x="1295401" y="2556931"/>
+            <a:ext cx="9601196" cy="3676815"/>
+          </a:xfrm>
+        </p:spPr>
         <p:txBody>
           <a:bodyPr>
-            <a:normAutofit fontScale="92500" lnSpcReduction="20000"/>
+            <a:normAutofit fontScale="70000" lnSpcReduction="20000"/>
           </a:bodyPr>
           <a:lstStyle/>
           <a:p>
@@ -7382,7 +7387,7 @@
               <a:buNone/>
             </a:pPr>
             <a:r>
-              <a:rPr lang="en-US" altLang="zh-TW" b="1" dirty="0">
+              <a:rPr lang="en-US" altLang="zh-TW" sz="2800" b="1" dirty="0">
                 <a:effectLst>
                   <a:outerShdw blurRad="38100" dist="38100" dir="2700000" algn="tl">
                     <a:srgbClr val="000000">
@@ -7401,7 +7406,7 @@
               <a:buNone/>
             </a:pPr>
             <a:r>
-              <a:rPr lang="en-US" altLang="zh-TW" b="1" dirty="0" smtClean="0">
+              <a:rPr lang="en-US" altLang="zh-TW" sz="2800" b="1" dirty="0" smtClean="0">
                 <a:effectLst>
                   <a:outerShdw blurRad="38100" dist="38100" dir="2700000" algn="tl">
                     <a:srgbClr val="000000">
@@ -7414,7 +7419,7 @@
               </a:rPr>
               <a:t>CSS</a:t>
             </a:r>
-            <a:endParaRPr lang="en-US" altLang="zh-TW" b="1" dirty="0">
+            <a:endParaRPr lang="en-US" altLang="zh-TW" sz="2800" b="1" dirty="0">
               <a:effectLst>
                 <a:outerShdw blurRad="38100" dist="38100" dir="2700000" algn="tl">
                   <a:srgbClr val="000000">
@@ -7431,7 +7436,7 @@
               <a:buNone/>
             </a:pPr>
             <a:r>
-              <a:rPr lang="en-US" altLang="zh-TW" b="1" dirty="0">
+              <a:rPr lang="en-US" altLang="zh-TW" sz="2800" b="1" dirty="0">
                 <a:effectLst>
                   <a:outerShdw blurRad="38100" dist="38100" dir="2700000" algn="tl">
                     <a:srgbClr val="000000">
@@ -7450,7 +7455,7 @@
               <a:buNone/>
             </a:pPr>
             <a:r>
-              <a:rPr lang="en-US" altLang="zh-TW" b="1" dirty="0">
+              <a:rPr lang="en-US" altLang="zh-TW" sz="2800" b="1" dirty="0">
                 <a:effectLst>
                   <a:outerShdw blurRad="38100" dist="38100" dir="2700000" algn="tl">
                     <a:srgbClr val="000000">
@@ -7469,7 +7474,7 @@
               <a:buNone/>
             </a:pPr>
             <a:r>
-              <a:rPr lang="en-US" altLang="zh-TW" b="1" dirty="0">
+              <a:rPr lang="en-US" altLang="zh-TW" sz="2800" b="1" dirty="0">
                 <a:effectLst>
                   <a:outerShdw blurRad="38100" dist="38100" dir="2700000" algn="tl">
                     <a:srgbClr val="000000">
@@ -7488,7 +7493,7 @@
               <a:buNone/>
             </a:pPr>
             <a:r>
-              <a:rPr lang="en-US" altLang="zh-TW" b="1" dirty="0">
+              <a:rPr lang="en-US" altLang="zh-TW" sz="2800" b="1" dirty="0">
                 <a:effectLst>
                   <a:outerShdw blurRad="38100" dist="38100" dir="2700000" algn="tl">
                     <a:srgbClr val="000000">
@@ -7507,7 +7512,7 @@
               <a:buNone/>
             </a:pPr>
             <a:r>
-              <a:rPr lang="en-US" altLang="zh-TW" b="1" dirty="0">
+              <a:rPr lang="en-US" altLang="zh-TW" sz="2800" b="1" dirty="0">
                 <a:effectLst>
                   <a:outerShdw blurRad="38100" dist="38100" dir="2700000" algn="tl">
                     <a:srgbClr val="000000">
@@ -7521,7 +7526,7 @@
               <a:t>jQuery </a:t>
             </a:r>
             <a:r>
-              <a:rPr lang="en-US" altLang="zh-TW" b="1" dirty="0" smtClean="0">
+              <a:rPr lang="en-US" altLang="zh-TW" sz="2800" b="1" dirty="0" smtClean="0">
                 <a:effectLst>
                   <a:outerShdw blurRad="38100" dist="38100" dir="2700000" algn="tl">
                     <a:srgbClr val="000000">
@@ -7534,13 +7539,24 @@
               </a:rPr>
               <a:t>UI</a:t>
             </a:r>
+            <a:endParaRPr lang="en-US" altLang="zh-TW" sz="2800" b="1" dirty="0" smtClean="0">
+              <a:effectLst>
+                <a:outerShdw blurRad="38100" dist="38100" dir="2700000" algn="tl">
+                  <a:srgbClr val="000000">
+                    <a:alpha val="43137"/>
+                  </a:srgbClr>
+                </a:outerShdw>
+              </a:effectLst>
+              <a:latin typeface="+mj-ea"/>
+              <a:ea typeface="+mj-ea"/>
+            </a:endParaRPr>
           </a:p>
           <a:p>
             <a:pPr marL="0" indent="0" algn="ctr">
               <a:buNone/>
             </a:pPr>
             <a:r>
-              <a:rPr lang="en-US" altLang="zh-TW" b="1" dirty="0" smtClean="0">
+              <a:rPr lang="en-US" altLang="zh-TW" sz="2800" b="1" dirty="0" smtClean="0">
                 <a:effectLst>
                   <a:outerShdw blurRad="38100" dist="38100" dir="2700000" algn="tl">
                     <a:srgbClr val="000000">
@@ -7551,8 +7567,71 @@
                 <a:latin typeface="+mj-ea"/>
                 <a:ea typeface="+mj-ea"/>
               </a:rPr>
-              <a:t>Facebook API</a:t>
-            </a:r>
+              <a:t>Facebook </a:t>
+            </a:r>
+            <a:r>
+              <a:rPr lang="en-US" altLang="zh-TW" sz="2800" b="1" dirty="0" smtClean="0">
+                <a:effectLst>
+                  <a:outerShdw blurRad="38100" dist="38100" dir="2700000" algn="tl">
+                    <a:srgbClr val="000000">
+                      <a:alpha val="43137"/>
+                    </a:srgbClr>
+                  </a:outerShdw>
+                </a:effectLst>
+                <a:latin typeface="+mj-ea"/>
+                <a:ea typeface="+mj-ea"/>
+              </a:rPr>
+              <a:t>API</a:t>
+            </a:r>
+          </a:p>
+          <a:p>
+            <a:pPr marL="0" indent="0" algn="ctr">
+              <a:buNone/>
+            </a:pPr>
+            <a:r>
+              <a:rPr lang="en-US" altLang="zh-TW" sz="2800" b="1" dirty="0">
+                <a:effectLst>
+                  <a:outerShdw blurRad="38100" dist="38100" dir="2700000" algn="tl">
+                    <a:srgbClr val="000000">
+                      <a:alpha val="43137"/>
+                    </a:srgbClr>
+                  </a:outerShdw>
+                </a:effectLst>
+                <a:latin typeface="+mj-ea"/>
+                <a:ea typeface="+mj-ea"/>
+              </a:rPr>
+              <a:t>l</a:t>
+            </a:r>
+            <a:r>
+              <a:rPr lang="en-US" altLang="zh-TW" sz="2800" b="1" dirty="0" smtClean="0">
+                <a:effectLst>
+                  <a:outerShdw blurRad="38100" dist="38100" dir="2700000" algn="tl">
+                    <a:srgbClr val="000000">
+                      <a:alpha val="43137"/>
+                    </a:srgbClr>
+                  </a:outerShdw>
+                </a:effectLst>
+                <a:latin typeface="+mj-ea"/>
+                <a:ea typeface="+mj-ea"/>
+              </a:rPr>
+              <a:t>ayer.js</a:t>
+            </a:r>
+            <a:endParaRPr lang="en-US" altLang="zh-TW" sz="2800" b="1" dirty="0" smtClean="0">
+              <a:effectLst>
+                <a:outerShdw blurRad="38100" dist="38100" dir="2700000" algn="tl">
+                  <a:srgbClr val="000000">
+                    <a:alpha val="43137"/>
+                  </a:srgbClr>
+                </a:outerShdw>
+              </a:effectLst>
+              <a:latin typeface="+mj-ea"/>
+              <a:ea typeface="+mj-ea"/>
+            </a:endParaRPr>
+          </a:p>
+          <a:p>
+            <a:pPr marL="0" indent="0" algn="ctr">
+              <a:buNone/>
+            </a:pPr>
             <a:endParaRPr lang="zh-TW" altLang="en-US" b="1" dirty="0">
               <a:effectLst>
                 <a:outerShdw blurRad="38100" dist="38100" dir="2700000" algn="tl">
@@ -7827,15 +7906,6 @@
                         </a:rPr>
                         <a:t>遊戲設計</a:t>
                       </a:r>
-                      <a:endParaRPr lang="zh-TW" altLang="en-US" b="1" dirty="0" smtClean="0">
-                        <a:effectLst>
-                          <a:outerShdw blurRad="38100" dist="38100" dir="2700000" algn="tl">
-                            <a:srgbClr val="000000">
-                              <a:alpha val="43137"/>
-                            </a:srgbClr>
-                          </a:outerShdw>
-                        </a:effectLst>
-                      </a:endParaRPr>
                     </a:p>
                   </a:txBody>
                   <a:tcPr/>
@@ -7977,15 +8047,6 @@
                         </a:rPr>
                         <a:t>遊戲構想</a:t>
                       </a:r>
-                      <a:endParaRPr lang="zh-TW" altLang="en-US" b="1" dirty="0" smtClean="0">
-                        <a:effectLst>
-                          <a:outerShdw blurRad="38100" dist="38100" dir="2700000" algn="tl">
-                            <a:srgbClr val="000000">
-                              <a:alpha val="43137"/>
-                            </a:srgbClr>
-                          </a:outerShdw>
-                        </a:effectLst>
-                      </a:endParaRPr>
                     </a:p>
                   </a:txBody>
                   <a:tcPr/>
